--- a/HW37/Проект базы данных для работы с перевозками на.pptx
+++ b/HW37/Проект базы данных для работы с перевозками на.pptx
@@ -122,6 +122,11 @@
       </a:defRPr>
     </a:lvl9pPr>
   </p:defaultTextStyle>
+  <p:extLst>
+    <p:ext uri="{EFAFB233-063F-42B5-8137-9DF3F51BA10A}">
+      <p15:sldGuideLst xmlns:p15="http://schemas.microsoft.com/office/powerpoint/2012/main"/>
+    </p:ext>
+  </p:extLst>
 </p:presentation>
 </file>
 
@@ -1080,14 +1085,35 @@
         </dgm:presLayoutVars>
       </dgm:prSet>
       <dgm:spPr/>
+      <dgm:t>
+        <a:bodyPr/>
+        <a:lstStyle/>
+        <a:p>
+          <a:endParaRPr lang="ru-RU"/>
+        </a:p>
+      </dgm:t>
     </dgm:pt>
     <dgm:pt modelId="{3E1C273D-D22D-44C5-9399-50A814930B14}" type="pres">
       <dgm:prSet presAssocID="{27F283AC-788D-4C38-8C7D-A5573F9226AC}" presName="sibTrans" presStyleLbl="sibTrans2D1" presStyleIdx="0" presStyleCnt="4"/>
       <dgm:spPr/>
+      <dgm:t>
+        <a:bodyPr/>
+        <a:lstStyle/>
+        <a:p>
+          <a:endParaRPr lang="ru-RU"/>
+        </a:p>
+      </dgm:t>
     </dgm:pt>
     <dgm:pt modelId="{3837654D-B7AC-4918-8F12-6142EFA631B3}" type="pres">
       <dgm:prSet presAssocID="{27F283AC-788D-4C38-8C7D-A5573F9226AC}" presName="connectorText" presStyleLbl="sibTrans2D1" presStyleIdx="0" presStyleCnt="4"/>
       <dgm:spPr/>
+      <dgm:t>
+        <a:bodyPr/>
+        <a:lstStyle/>
+        <a:p>
+          <a:endParaRPr lang="ru-RU"/>
+        </a:p>
+      </dgm:t>
     </dgm:pt>
     <dgm:pt modelId="{BED16027-1BC4-4418-9EC9-08EA1CB61698}" type="pres">
       <dgm:prSet presAssocID="{B9D3C23F-C0FB-465F-925C-B5B114858CE9}" presName="node" presStyleLbl="node1" presStyleIdx="1" presStyleCnt="5">
@@ -1096,14 +1122,35 @@
         </dgm:presLayoutVars>
       </dgm:prSet>
       <dgm:spPr/>
+      <dgm:t>
+        <a:bodyPr/>
+        <a:lstStyle/>
+        <a:p>
+          <a:endParaRPr lang="ru-RU"/>
+        </a:p>
+      </dgm:t>
     </dgm:pt>
     <dgm:pt modelId="{60FFF5E1-61E6-411B-B94A-092E75A19D65}" type="pres">
       <dgm:prSet presAssocID="{5A2EFBE5-CDBE-409D-8F56-21A778E3453A}" presName="sibTrans" presStyleLbl="sibTrans2D1" presStyleIdx="1" presStyleCnt="4"/>
       <dgm:spPr/>
+      <dgm:t>
+        <a:bodyPr/>
+        <a:lstStyle/>
+        <a:p>
+          <a:endParaRPr lang="ru-RU"/>
+        </a:p>
+      </dgm:t>
     </dgm:pt>
     <dgm:pt modelId="{70FB4FCE-D404-435B-8AF8-C4D8DDDF13E4}" type="pres">
       <dgm:prSet presAssocID="{5A2EFBE5-CDBE-409D-8F56-21A778E3453A}" presName="connectorText" presStyleLbl="sibTrans2D1" presStyleIdx="1" presStyleCnt="4"/>
       <dgm:spPr/>
+      <dgm:t>
+        <a:bodyPr/>
+        <a:lstStyle/>
+        <a:p>
+          <a:endParaRPr lang="ru-RU"/>
+        </a:p>
+      </dgm:t>
     </dgm:pt>
     <dgm:pt modelId="{FA3824DD-8AB6-43CF-A4C3-085198515D0F}" type="pres">
       <dgm:prSet presAssocID="{A6FDA925-5862-4918-AC25-80D6744A53DE}" presName="node" presStyleLbl="node1" presStyleIdx="2" presStyleCnt="5">
@@ -1112,14 +1159,35 @@
         </dgm:presLayoutVars>
       </dgm:prSet>
       <dgm:spPr/>
+      <dgm:t>
+        <a:bodyPr/>
+        <a:lstStyle/>
+        <a:p>
+          <a:endParaRPr lang="ru-RU"/>
+        </a:p>
+      </dgm:t>
     </dgm:pt>
     <dgm:pt modelId="{95370156-98C2-404B-AAAA-D1571AE742F7}" type="pres">
       <dgm:prSet presAssocID="{5F227626-BC8B-482E-90E4-14E70B75EE83}" presName="sibTrans" presStyleLbl="sibTrans2D1" presStyleIdx="2" presStyleCnt="4"/>
       <dgm:spPr/>
+      <dgm:t>
+        <a:bodyPr/>
+        <a:lstStyle/>
+        <a:p>
+          <a:endParaRPr lang="ru-RU"/>
+        </a:p>
+      </dgm:t>
     </dgm:pt>
     <dgm:pt modelId="{D736DD6A-0F97-4509-BDD6-141ECDE9EC57}" type="pres">
       <dgm:prSet presAssocID="{5F227626-BC8B-482E-90E4-14E70B75EE83}" presName="connectorText" presStyleLbl="sibTrans2D1" presStyleIdx="2" presStyleCnt="4"/>
       <dgm:spPr/>
+      <dgm:t>
+        <a:bodyPr/>
+        <a:lstStyle/>
+        <a:p>
+          <a:endParaRPr lang="ru-RU"/>
+        </a:p>
+      </dgm:t>
     </dgm:pt>
     <dgm:pt modelId="{DD006126-31A6-4B1A-8F94-E3D5E5E31CB1}" type="pres">
       <dgm:prSet presAssocID="{A8B9093E-BAC6-40E0-A426-983E70887EFB}" presName="node" presStyleLbl="node1" presStyleIdx="3" presStyleCnt="5">
@@ -1128,14 +1196,35 @@
         </dgm:presLayoutVars>
       </dgm:prSet>
       <dgm:spPr/>
+      <dgm:t>
+        <a:bodyPr/>
+        <a:lstStyle/>
+        <a:p>
+          <a:endParaRPr lang="ru-RU"/>
+        </a:p>
+      </dgm:t>
     </dgm:pt>
     <dgm:pt modelId="{3CB022FA-6622-49D8-B85E-0EDC5AC50460}" type="pres">
       <dgm:prSet presAssocID="{78FD5FC1-B58E-4C86-9C35-FB1BC9B02F80}" presName="sibTrans" presStyleLbl="sibTrans2D1" presStyleIdx="3" presStyleCnt="4"/>
       <dgm:spPr/>
+      <dgm:t>
+        <a:bodyPr/>
+        <a:lstStyle/>
+        <a:p>
+          <a:endParaRPr lang="ru-RU"/>
+        </a:p>
+      </dgm:t>
     </dgm:pt>
     <dgm:pt modelId="{1B5E03EB-E2AF-4993-B5DA-7B3F22496B6A}" type="pres">
       <dgm:prSet presAssocID="{78FD5FC1-B58E-4C86-9C35-FB1BC9B02F80}" presName="connectorText" presStyleLbl="sibTrans2D1" presStyleIdx="3" presStyleCnt="4"/>
       <dgm:spPr/>
+      <dgm:t>
+        <a:bodyPr/>
+        <a:lstStyle/>
+        <a:p>
+          <a:endParaRPr lang="ru-RU"/>
+        </a:p>
+      </dgm:t>
     </dgm:pt>
     <dgm:pt modelId="{97C24143-BCA9-4943-9C9D-0E8312CABFAF}" type="pres">
       <dgm:prSet presAssocID="{22FE008A-89E1-4834-B411-D376D491CB81}" presName="node" presStyleLbl="node1" presStyleIdx="4" presStyleCnt="5">
@@ -1144,24 +1233,31 @@
         </dgm:presLayoutVars>
       </dgm:prSet>
       <dgm:spPr/>
+      <dgm:t>
+        <a:bodyPr/>
+        <a:lstStyle/>
+        <a:p>
+          <a:endParaRPr lang="ru-RU"/>
+        </a:p>
+      </dgm:t>
     </dgm:pt>
   </dgm:ptLst>
   <dgm:cxnLst>
     <dgm:cxn modelId="{305288F3-C1D9-49A6-B21B-8B3A571639B1}" type="presOf" srcId="{A6FDA925-5862-4918-AC25-80D6744A53DE}" destId="{FA3824DD-8AB6-43CF-A4C3-085198515D0F}" srcOrd="0" destOrd="0" presId="urn:microsoft.com/office/officeart/2005/8/layout/process1"/>
+    <dgm:cxn modelId="{B5260415-EF79-4A94-9F6C-23A04B7FB6EE}" srcId="{4CC8C9C4-0AC9-4A76-89C9-4D513FCAE8BD}" destId="{22FE008A-89E1-4834-B411-D376D491CB81}" srcOrd="4" destOrd="0" parTransId="{A2375701-CC3A-4517-A627-0FDE6BF756D5}" sibTransId="{9AC524E5-662C-4CEF-9693-C764E94364F5}"/>
     <dgm:cxn modelId="{0A7BF1F9-15D3-4A76-85AA-EAED9007E2FA}" type="presOf" srcId="{5F227626-BC8B-482E-90E4-14E70B75EE83}" destId="{95370156-98C2-404B-AAAA-D1571AE742F7}" srcOrd="0" destOrd="0" presId="urn:microsoft.com/office/officeart/2005/8/layout/process1"/>
-    <dgm:cxn modelId="{B5260415-EF79-4A94-9F6C-23A04B7FB6EE}" srcId="{4CC8C9C4-0AC9-4A76-89C9-4D513FCAE8BD}" destId="{22FE008A-89E1-4834-B411-D376D491CB81}" srcOrd="4" destOrd="0" parTransId="{A2375701-CC3A-4517-A627-0FDE6BF756D5}" sibTransId="{9AC524E5-662C-4CEF-9693-C764E94364F5}"/>
     <dgm:cxn modelId="{03E836F9-12CD-4EDF-B14F-08B10F164784}" type="presOf" srcId="{5A2EFBE5-CDBE-409D-8F56-21A778E3453A}" destId="{60FFF5E1-61E6-411B-B94A-092E75A19D65}" srcOrd="0" destOrd="0" presId="urn:microsoft.com/office/officeart/2005/8/layout/process1"/>
     <dgm:cxn modelId="{063470CF-B789-4F00-B4A3-930686A4DDDF}" type="presOf" srcId="{5A2EFBE5-CDBE-409D-8F56-21A778E3453A}" destId="{70FB4FCE-D404-435B-8AF8-C4D8DDDF13E4}" srcOrd="1" destOrd="0" presId="urn:microsoft.com/office/officeart/2005/8/layout/process1"/>
     <dgm:cxn modelId="{7F7748E6-FCE8-444C-8E6D-B9BF57D2CA05}" srcId="{4CC8C9C4-0AC9-4A76-89C9-4D513FCAE8BD}" destId="{B9D3C23F-C0FB-465F-925C-B5B114858CE9}" srcOrd="1" destOrd="0" parTransId="{48192DE7-0DFA-46DB-AF19-690AD484E86D}" sibTransId="{5A2EFBE5-CDBE-409D-8F56-21A778E3453A}"/>
     <dgm:cxn modelId="{E13A992D-DEB7-4F55-A1D3-F4E9E63D1A0B}" type="presOf" srcId="{27F283AC-788D-4C38-8C7D-A5573F9226AC}" destId="{3E1C273D-D22D-44C5-9399-50A814930B14}" srcOrd="0" destOrd="0" presId="urn:microsoft.com/office/officeart/2005/8/layout/process1"/>
     <dgm:cxn modelId="{CC4A5D53-9035-46E2-B27B-13AA9A8186B8}" type="presOf" srcId="{4A8F3179-9B02-4136-83A3-E5518F465E0E}" destId="{334F8AFE-0AFD-4DDB-BF60-54E6C76336C4}" srcOrd="0" destOrd="0" presId="urn:microsoft.com/office/officeart/2005/8/layout/process1"/>
+    <dgm:cxn modelId="{66847CAE-4E8B-4E78-A8FE-57CB2C7DEC90}" type="presOf" srcId="{78FD5FC1-B58E-4C86-9C35-FB1BC9B02F80}" destId="{1B5E03EB-E2AF-4993-B5DA-7B3F22496B6A}" srcOrd="1" destOrd="0" presId="urn:microsoft.com/office/officeart/2005/8/layout/process1"/>
     <dgm:cxn modelId="{74076EC7-C590-44D1-9164-8453C45BB22C}" srcId="{4CC8C9C4-0AC9-4A76-89C9-4D513FCAE8BD}" destId="{A6FDA925-5862-4918-AC25-80D6744A53DE}" srcOrd="2" destOrd="0" parTransId="{CDFAEAEF-BD72-4601-B878-AB2B7BCE1AFB}" sibTransId="{5F227626-BC8B-482E-90E4-14E70B75EE83}"/>
-    <dgm:cxn modelId="{66847CAE-4E8B-4E78-A8FE-57CB2C7DEC90}" type="presOf" srcId="{78FD5FC1-B58E-4C86-9C35-FB1BC9B02F80}" destId="{1B5E03EB-E2AF-4993-B5DA-7B3F22496B6A}" srcOrd="1" destOrd="0" presId="urn:microsoft.com/office/officeart/2005/8/layout/process1"/>
     <dgm:cxn modelId="{659B3DFB-0AB6-4EF6-B727-01635CA6B869}" type="presOf" srcId="{5F227626-BC8B-482E-90E4-14E70B75EE83}" destId="{D736DD6A-0F97-4509-BDD6-141ECDE9EC57}" srcOrd="1" destOrd="0" presId="urn:microsoft.com/office/officeart/2005/8/layout/process1"/>
     <dgm:cxn modelId="{82CA244B-ECEB-4133-8ED0-BDEC1332EE9C}" type="presOf" srcId="{4CC8C9C4-0AC9-4A76-89C9-4D513FCAE8BD}" destId="{14C352D2-7266-4697-977F-163DD1950F45}" srcOrd="0" destOrd="0" presId="urn:microsoft.com/office/officeart/2005/8/layout/process1"/>
     <dgm:cxn modelId="{695A18D7-0A53-4CF5-9757-651327A17EB8}" type="presOf" srcId="{22FE008A-89E1-4834-B411-D376D491CB81}" destId="{97C24143-BCA9-4943-9C9D-0E8312CABFAF}" srcOrd="0" destOrd="0" presId="urn:microsoft.com/office/officeart/2005/8/layout/process1"/>
+    <dgm:cxn modelId="{DF7FEEEC-97C8-4152-B4A2-9B7F6D4C8739}" srcId="{4CC8C9C4-0AC9-4A76-89C9-4D513FCAE8BD}" destId="{A8B9093E-BAC6-40E0-A426-983E70887EFB}" srcOrd="3" destOrd="0" parTransId="{538E3183-2E95-4E25-8E17-76FAEB2CAF24}" sibTransId="{78FD5FC1-B58E-4C86-9C35-FB1BC9B02F80}"/>
     <dgm:cxn modelId="{9F0EFEA5-569C-4715-96B3-0BE899E7EE55}" type="presOf" srcId="{27F283AC-788D-4C38-8C7D-A5573F9226AC}" destId="{3837654D-B7AC-4918-8F12-6142EFA631B3}" srcOrd="1" destOrd="0" presId="urn:microsoft.com/office/officeart/2005/8/layout/process1"/>
-    <dgm:cxn modelId="{DF7FEEEC-97C8-4152-B4A2-9B7F6D4C8739}" srcId="{4CC8C9C4-0AC9-4A76-89C9-4D513FCAE8BD}" destId="{A8B9093E-BAC6-40E0-A426-983E70887EFB}" srcOrd="3" destOrd="0" parTransId="{538E3183-2E95-4E25-8E17-76FAEB2CAF24}" sibTransId="{78FD5FC1-B58E-4C86-9C35-FB1BC9B02F80}"/>
     <dgm:cxn modelId="{839507F2-E3BB-4CEE-B3B8-6D8397233A3E}" type="presOf" srcId="{B9D3C23F-C0FB-465F-925C-B5B114858CE9}" destId="{BED16027-1BC4-4418-9EC9-08EA1CB61698}" srcOrd="0" destOrd="0" presId="urn:microsoft.com/office/officeart/2005/8/layout/process1"/>
     <dgm:cxn modelId="{2F3EA060-DB39-42BC-8504-37B2A19840B7}" type="presOf" srcId="{A8B9093E-BAC6-40E0-A426-983E70887EFB}" destId="{DD006126-31A6-4B1A-8F94-E3D5E5E31CB1}" srcOrd="0" destOrd="0" presId="urn:microsoft.com/office/officeart/2005/8/layout/process1"/>
     <dgm:cxn modelId="{DC2A6090-19F8-425B-A644-48B70A5D9FDE}" srcId="{4CC8C9C4-0AC9-4A76-89C9-4D513FCAE8BD}" destId="{4A8F3179-9B02-4136-83A3-E5518F465E0E}" srcOrd="0" destOrd="0" parTransId="{CA325D46-D134-4ED8-979C-8DF9F4B85BB8}" sibTransId="{27F283AC-788D-4C38-8C7D-A5573F9226AC}"/>
@@ -3775,7 +3871,7 @@
           <a:p>
             <a:fld id="{40E42292-C3BD-45D5-981D-DC230B1F005A}" type="datetimeFigureOut">
               <a:rPr lang="ru-RU" smtClean="0"/>
-              <a:t>28.01.2024</a:t>
+              <a:t>29.01.2024</a:t>
             </a:fld>
             <a:endParaRPr lang="ru-RU"/>
           </a:p>
@@ -4026,7 +4122,7 @@
           <a:p>
             <a:fld id="{40E42292-C3BD-45D5-981D-DC230B1F005A}" type="datetimeFigureOut">
               <a:rPr lang="ru-RU" smtClean="0"/>
-              <a:t>28.01.2024</a:t>
+              <a:t>29.01.2024</a:t>
             </a:fld>
             <a:endParaRPr lang="ru-RU"/>
           </a:p>
@@ -4340,7 +4436,7 @@
           <a:p>
             <a:fld id="{40E42292-C3BD-45D5-981D-DC230B1F005A}" type="datetimeFigureOut">
               <a:rPr lang="ru-RU" smtClean="0"/>
-              <a:t>28.01.2024</a:t>
+              <a:t>29.01.2024</a:t>
             </a:fld>
             <a:endParaRPr lang="ru-RU"/>
           </a:p>
@@ -4681,7 +4777,7 @@
           <a:p>
             <a:fld id="{40E42292-C3BD-45D5-981D-DC230B1F005A}" type="datetimeFigureOut">
               <a:rPr lang="ru-RU" smtClean="0"/>
-              <a:t>28.01.2024</a:t>
+              <a:t>29.01.2024</a:t>
             </a:fld>
             <a:endParaRPr lang="ru-RU"/>
           </a:p>
@@ -4995,7 +5091,7 @@
           <a:p>
             <a:fld id="{40E42292-C3BD-45D5-981D-DC230B1F005A}" type="datetimeFigureOut">
               <a:rPr lang="ru-RU" smtClean="0"/>
-              <a:t>28.01.2024</a:t>
+              <a:t>29.01.2024</a:t>
             </a:fld>
             <a:endParaRPr lang="ru-RU"/>
           </a:p>
@@ -5388,7 +5484,7 @@
           <a:p>
             <a:fld id="{40E42292-C3BD-45D5-981D-DC230B1F005A}" type="datetimeFigureOut">
               <a:rPr lang="ru-RU" smtClean="0"/>
-              <a:t>28.01.2024</a:t>
+              <a:t>29.01.2024</a:t>
             </a:fld>
             <a:endParaRPr lang="ru-RU"/>
           </a:p>
@@ -5558,7 +5654,7 @@
           <a:p>
             <a:fld id="{40E42292-C3BD-45D5-981D-DC230B1F005A}" type="datetimeFigureOut">
               <a:rPr lang="ru-RU" smtClean="0"/>
-              <a:t>28.01.2024</a:t>
+              <a:t>29.01.2024</a:t>
             </a:fld>
             <a:endParaRPr lang="ru-RU"/>
           </a:p>
@@ -5738,7 +5834,7 @@
           <a:p>
             <a:fld id="{40E42292-C3BD-45D5-981D-DC230B1F005A}" type="datetimeFigureOut">
               <a:rPr lang="ru-RU" smtClean="0"/>
-              <a:t>28.01.2024</a:t>
+              <a:t>29.01.2024</a:t>
             </a:fld>
             <a:endParaRPr lang="ru-RU"/>
           </a:p>
@@ -5914,7 +6010,7 @@
           <a:p>
             <a:fld id="{40E42292-C3BD-45D5-981D-DC230B1F005A}" type="datetimeFigureOut">
               <a:rPr lang="ru-RU" smtClean="0"/>
-              <a:t>28.01.2024</a:t>
+              <a:t>29.01.2024</a:t>
             </a:fld>
             <a:endParaRPr lang="ru-RU"/>
           </a:p>
@@ -6161,7 +6257,7 @@
           <a:p>
             <a:fld id="{40E42292-C3BD-45D5-981D-DC230B1F005A}" type="datetimeFigureOut">
               <a:rPr lang="ru-RU" smtClean="0"/>
-              <a:t>28.01.2024</a:t>
+              <a:t>29.01.2024</a:t>
             </a:fld>
             <a:endParaRPr lang="ru-RU"/>
           </a:p>
@@ -6393,7 +6489,7 @@
           <a:p>
             <a:fld id="{40E42292-C3BD-45D5-981D-DC230B1F005A}" type="datetimeFigureOut">
               <a:rPr lang="ru-RU" smtClean="0"/>
-              <a:t>28.01.2024</a:t>
+              <a:t>29.01.2024</a:t>
             </a:fld>
             <a:endParaRPr lang="ru-RU"/>
           </a:p>
@@ -6767,7 +6863,7 @@
           <a:p>
             <a:fld id="{40E42292-C3BD-45D5-981D-DC230B1F005A}" type="datetimeFigureOut">
               <a:rPr lang="ru-RU" smtClean="0"/>
-              <a:t>28.01.2024</a:t>
+              <a:t>29.01.2024</a:t>
             </a:fld>
             <a:endParaRPr lang="ru-RU"/>
           </a:p>
@@ -6890,7 +6986,7 @@
           <a:p>
             <a:fld id="{40E42292-C3BD-45D5-981D-DC230B1F005A}" type="datetimeFigureOut">
               <a:rPr lang="ru-RU" smtClean="0"/>
-              <a:t>28.01.2024</a:t>
+              <a:t>29.01.2024</a:t>
             </a:fld>
             <a:endParaRPr lang="ru-RU"/>
           </a:p>
@@ -6985,7 +7081,7 @@
           <a:p>
             <a:fld id="{40E42292-C3BD-45D5-981D-DC230B1F005A}" type="datetimeFigureOut">
               <a:rPr lang="ru-RU" smtClean="0"/>
-              <a:t>28.01.2024</a:t>
+              <a:t>29.01.2024</a:t>
             </a:fld>
             <a:endParaRPr lang="ru-RU"/>
           </a:p>
@@ -7240,7 +7336,7 @@
           <a:p>
             <a:fld id="{40E42292-C3BD-45D5-981D-DC230B1F005A}" type="datetimeFigureOut">
               <a:rPr lang="ru-RU" smtClean="0"/>
-              <a:t>28.01.2024</a:t>
+              <a:t>29.01.2024</a:t>
             </a:fld>
             <a:endParaRPr lang="ru-RU"/>
           </a:p>
@@ -7503,7 +7599,7 @@
           <a:p>
             <a:fld id="{40E42292-C3BD-45D5-981D-DC230B1F005A}" type="datetimeFigureOut">
               <a:rPr lang="ru-RU" smtClean="0"/>
-              <a:t>28.01.2024</a:t>
+              <a:t>29.01.2024</a:t>
             </a:fld>
             <a:endParaRPr lang="ru-RU"/>
           </a:p>
@@ -8246,7 +8342,7 @@
           <a:p>
             <a:fld id="{40E42292-C3BD-45D5-981D-DC230B1F005A}" type="datetimeFigureOut">
               <a:rPr lang="ru-RU" smtClean="0"/>
-              <a:t>28.01.2024</a:t>
+              <a:t>29.01.2024</a:t>
             </a:fld>
             <a:endParaRPr lang="ru-RU"/>
           </a:p>
@@ -8830,6 +8926,13 @@
   <p:clrMapOvr>
     <a:masterClrMapping/>
   </p:clrMapOvr>
+  <p:timing>
+    <p:tnLst>
+      <p:par>
+        <p:cTn id="1" dur="indefinite" restart="never" nodeType="tmRoot"/>
+      </p:par>
+    </p:tnLst>
+  </p:timing>
 </p:sld>
 </file>
 
@@ -8959,6 +9062,13 @@
   <p:clrMapOvr>
     <a:masterClrMapping/>
   </p:clrMapOvr>
+  <p:timing>
+    <p:tnLst>
+      <p:par>
+        <p:cTn id="1" dur="indefinite" restart="never" nodeType="tmRoot"/>
+      </p:par>
+    </p:tnLst>
+  </p:timing>
 </p:sld>
 </file>
 
@@ -9106,6 +9216,13 @@
   <p:clrMapOvr>
     <a:masterClrMapping/>
   </p:clrMapOvr>
+  <p:timing>
+    <p:tnLst>
+      <p:par>
+        <p:cTn id="1" dur="indefinite" restart="never" nodeType="tmRoot"/>
+      </p:par>
+    </p:tnLst>
+  </p:timing>
 </p:sld>
 </file>
 
@@ -9192,6 +9309,13 @@
   <p:clrMapOvr>
     <a:masterClrMapping/>
   </p:clrMapOvr>
+  <p:timing>
+    <p:tnLst>
+      <p:par>
+        <p:cTn id="1" dur="indefinite" restart="never" nodeType="tmRoot"/>
+      </p:par>
+    </p:tnLst>
+  </p:timing>
 </p:sld>
 </file>
 
@@ -9282,6 +9406,13 @@
   <p:clrMapOvr>
     <a:masterClrMapping/>
   </p:clrMapOvr>
+  <p:timing>
+    <p:tnLst>
+      <p:par>
+        <p:cTn id="1" dur="indefinite" restart="never" nodeType="tmRoot"/>
+      </p:par>
+    </p:tnLst>
+  </p:timing>
 </p:sld>
 </file>
 
@@ -9364,6 +9495,13 @@
   <p:clrMapOvr>
     <a:masterClrMapping/>
   </p:clrMapOvr>
+  <p:timing>
+    <p:tnLst>
+      <p:par>
+        <p:cTn id="1" dur="indefinite" restart="never" nodeType="tmRoot"/>
+      </p:par>
+    </p:tnLst>
+  </p:timing>
 </p:sld>
 </file>
 
@@ -9446,6 +9584,13 @@
   <p:clrMapOvr>
     <a:masterClrMapping/>
   </p:clrMapOvr>
+  <p:timing>
+    <p:tnLst>
+      <p:par>
+        <p:cTn id="1" dur="indefinite" restart="never" nodeType="tmRoot"/>
+      </p:par>
+    </p:tnLst>
+  </p:timing>
 </p:sld>
 </file>
 
@@ -9528,6 +9673,13 @@
   <p:clrMapOvr>
     <a:masterClrMapping/>
   </p:clrMapOvr>
+  <p:timing>
+    <p:tnLst>
+      <p:par>
+        <p:cTn id="1" dur="indefinite" restart="never" nodeType="tmRoot"/>
+      </p:par>
+    </p:tnLst>
+  </p:timing>
 </p:sld>
 </file>
 
@@ -9610,6 +9762,13 @@
   <p:clrMapOvr>
     <a:masterClrMapping/>
   </p:clrMapOvr>
+  <p:timing>
+    <p:tnLst>
+      <p:par>
+        <p:cTn id="1" dur="indefinite" restart="never" nodeType="tmRoot"/>
+      </p:par>
+    </p:tnLst>
+  </p:timing>
 </p:sld>
 </file>
 
@@ -9746,6 +9905,13 @@
   <p:clrMapOvr>
     <a:masterClrMapping/>
   </p:clrMapOvr>
+  <p:timing>
+    <p:tnLst>
+      <p:par>
+        <p:cTn id="1" dur="indefinite" restart="never" nodeType="tmRoot"/>
+      </p:par>
+    </p:tnLst>
+  </p:timing>
 </p:sld>
 </file>
 
@@ -9874,6 +10040,13 @@
   <p:clrMapOvr>
     <a:masterClrMapping/>
   </p:clrMapOvr>
+  <p:timing>
+    <p:tnLst>
+      <p:par>
+        <p:cTn id="1" dur="indefinite" restart="never" nodeType="tmRoot"/>
+      </p:par>
+    </p:tnLst>
+  </p:timing>
 </p:sld>
 </file>
 
@@ -10000,6 +10173,13 @@
   <p:clrMapOvr>
     <a:masterClrMapping/>
   </p:clrMapOvr>
+  <p:timing>
+    <p:tnLst>
+      <p:par>
+        <p:cTn id="1" dur="indefinite" restart="never" nodeType="tmRoot"/>
+      </p:par>
+    </p:tnLst>
+  </p:timing>
 </p:sld>
 </file>
 
@@ -10157,6 +10337,13 @@
   <p:clrMapOvr>
     <a:masterClrMapping/>
   </p:clrMapOvr>
+  <p:timing>
+    <p:tnLst>
+      <p:par>
+        <p:cTn id="1" dur="indefinite" restart="never" nodeType="tmRoot"/>
+      </p:par>
+    </p:tnLst>
+  </p:timing>
 </p:sld>
 </file>
 
@@ -10202,7 +10389,7 @@
       </p:sp>
       <p:pic>
         <p:nvPicPr>
-          <p:cNvPr id="6" name="Объект 5"/>
+          <p:cNvPr id="4" name="Объект 3"/>
           <p:cNvPicPr>
             <a:picLocks noGrp="1" noChangeAspect="1"/>
           </p:cNvPicPr>
@@ -10224,8 +10411,8 @@
         </p:blipFill>
         <p:spPr>
           <a:xfrm>
-            <a:off x="2586772" y="1270000"/>
-            <a:ext cx="5936126" cy="5358632"/>
+            <a:off x="1006307" y="1499327"/>
+            <a:ext cx="7973129" cy="4736158"/>
           </a:xfrm>
         </p:spPr>
       </p:pic>
@@ -10239,6 +10426,13 @@
   <p:clrMapOvr>
     <a:masterClrMapping/>
   </p:clrMapOvr>
+  <p:timing>
+    <p:tnLst>
+      <p:par>
+        <p:cTn id="1" dur="indefinite" restart="never" nodeType="tmRoot"/>
+      </p:par>
+    </p:tnLst>
+  </p:timing>
 </p:sld>
 </file>
 
@@ -10545,6 +10739,13 @@
   <p:clrMapOvr>
     <a:masterClrMapping/>
   </p:clrMapOvr>
+  <p:timing>
+    <p:tnLst>
+      <p:par>
+        <p:cTn id="1" dur="indefinite" restart="never" nodeType="tmRoot"/>
+      </p:par>
+    </p:tnLst>
+  </p:timing>
 </p:sld>
 </file>
 
@@ -10623,6 +10824,13 @@
   <p:clrMapOvr>
     <a:masterClrMapping/>
   </p:clrMapOvr>
+  <p:timing>
+    <p:tnLst>
+      <p:par>
+        <p:cTn id="1" dur="indefinite" restart="never" nodeType="tmRoot"/>
+      </p:par>
+    </p:tnLst>
+  </p:timing>
 </p:sld>
 </file>
 
@@ -10766,6 +10974,13 @@
   <p:clrMapOvr>
     <a:masterClrMapping/>
   </p:clrMapOvr>
+  <p:timing>
+    <p:tnLst>
+      <p:par>
+        <p:cTn id="1" dur="indefinite" restart="never" nodeType="tmRoot"/>
+      </p:par>
+    </p:tnLst>
+  </p:timing>
 </p:sld>
 </file>
 
@@ -10900,6 +11115,13 @@
   <p:clrMapOvr>
     <a:masterClrMapping/>
   </p:clrMapOvr>
+  <p:timing>
+    <p:tnLst>
+      <p:par>
+        <p:cTn id="1" dur="indefinite" restart="never" nodeType="tmRoot"/>
+      </p:par>
+    </p:tnLst>
+  </p:timing>
 </p:sld>
 </file>
 
@@ -11083,6 +11305,13 @@
   <p:clrMapOvr>
     <a:masterClrMapping/>
   </p:clrMapOvr>
+  <p:timing>
+    <p:tnLst>
+      <p:par>
+        <p:cTn id="1" dur="indefinite" restart="never" nodeType="tmRoot"/>
+      </p:par>
+    </p:tnLst>
+  </p:timing>
 </p:sld>
 </file>
 
